--- a/doc/Profiles/Profiles.pptx
+++ b/doc/Profiles/Profiles.pptx
@@ -8947,14 +8947,14 @@
           <a:p>
             <a:pPr algn="ctr"/>
             <a:r>
-              <a:rPr lang="fr-FR" sz="1400" dirty="0" err="1" smtClean="0">
+              <a:rPr lang="fr-FR" sz="1400" dirty="0" smtClean="0">
                 <a:solidFill>
                   <a:srgbClr val="0000FF"/>
                 </a:solidFill>
                 <a:latin typeface="Courier"/>
                 <a:cs typeface="Courier"/>
               </a:rPr>
-              <a:t>xoffset</a:t>
+              <a:t>≈ phi</a:t>
             </a:r>
             <a:endParaRPr lang="fr-FR" sz="1400" dirty="0">
               <a:solidFill>

--- a/doc/Profiles/Profiles.pptx
+++ b/doc/Profiles/Profiles.pptx
@@ -288,7 +288,7 @@
           <a:p>
             <a:fld id="{F1229E41-CA26-2F4E-8441-D62FD830A7AB}" type="datetimeFigureOut">
               <a:rPr lang="fr-FR" smtClean="0"/>
-              <a:t>04/06/15</a:t>
+              <a:t>05/06/15</a:t>
             </a:fld>
             <a:endParaRPr lang="fr-FR"/>
           </a:p>
@@ -458,7 +458,7 @@
           <a:p>
             <a:fld id="{F1229E41-CA26-2F4E-8441-D62FD830A7AB}" type="datetimeFigureOut">
               <a:rPr lang="fr-FR" smtClean="0"/>
-              <a:t>04/06/15</a:t>
+              <a:t>05/06/15</a:t>
             </a:fld>
             <a:endParaRPr lang="fr-FR"/>
           </a:p>
@@ -638,7 +638,7 @@
           <a:p>
             <a:fld id="{F1229E41-CA26-2F4E-8441-D62FD830A7AB}" type="datetimeFigureOut">
               <a:rPr lang="fr-FR" smtClean="0"/>
-              <a:t>04/06/15</a:t>
+              <a:t>05/06/15</a:t>
             </a:fld>
             <a:endParaRPr lang="fr-FR"/>
           </a:p>
@@ -808,7 +808,7 @@
           <a:p>
             <a:fld id="{F1229E41-CA26-2F4E-8441-D62FD830A7AB}" type="datetimeFigureOut">
               <a:rPr lang="fr-FR" smtClean="0"/>
-              <a:t>04/06/15</a:t>
+              <a:t>05/06/15</a:t>
             </a:fld>
             <a:endParaRPr lang="fr-FR"/>
           </a:p>
@@ -1054,7 +1054,7 @@
           <a:p>
             <a:fld id="{F1229E41-CA26-2F4E-8441-D62FD830A7AB}" type="datetimeFigureOut">
               <a:rPr lang="fr-FR" smtClean="0"/>
-              <a:t>04/06/15</a:t>
+              <a:t>05/06/15</a:t>
             </a:fld>
             <a:endParaRPr lang="fr-FR"/>
           </a:p>
@@ -1342,7 +1342,7 @@
           <a:p>
             <a:fld id="{F1229E41-CA26-2F4E-8441-D62FD830A7AB}" type="datetimeFigureOut">
               <a:rPr lang="fr-FR" smtClean="0"/>
-              <a:t>04/06/15</a:t>
+              <a:t>05/06/15</a:t>
             </a:fld>
             <a:endParaRPr lang="fr-FR"/>
           </a:p>
@@ -1764,7 +1764,7 @@
           <a:p>
             <a:fld id="{F1229E41-CA26-2F4E-8441-D62FD830A7AB}" type="datetimeFigureOut">
               <a:rPr lang="fr-FR" smtClean="0"/>
-              <a:t>04/06/15</a:t>
+              <a:t>05/06/15</a:t>
             </a:fld>
             <a:endParaRPr lang="fr-FR"/>
           </a:p>
@@ -1882,7 +1882,7 @@
           <a:p>
             <a:fld id="{F1229E41-CA26-2F4E-8441-D62FD830A7AB}" type="datetimeFigureOut">
               <a:rPr lang="fr-FR" smtClean="0"/>
-              <a:t>04/06/15</a:t>
+              <a:t>05/06/15</a:t>
             </a:fld>
             <a:endParaRPr lang="fr-FR"/>
           </a:p>
@@ -1977,7 +1977,7 @@
           <a:p>
             <a:fld id="{F1229E41-CA26-2F4E-8441-D62FD830A7AB}" type="datetimeFigureOut">
               <a:rPr lang="fr-FR" smtClean="0"/>
-              <a:t>04/06/15</a:t>
+              <a:t>05/06/15</a:t>
             </a:fld>
             <a:endParaRPr lang="fr-FR"/>
           </a:p>
@@ -2254,7 +2254,7 @@
           <a:p>
             <a:fld id="{F1229E41-CA26-2F4E-8441-D62FD830A7AB}" type="datetimeFigureOut">
               <a:rPr lang="fr-FR" smtClean="0"/>
-              <a:t>04/06/15</a:t>
+              <a:t>05/06/15</a:t>
             </a:fld>
             <a:endParaRPr lang="fr-FR"/>
           </a:p>
@@ -2507,7 +2507,7 @@
           <a:p>
             <a:fld id="{F1229E41-CA26-2F4E-8441-D62FD830A7AB}" type="datetimeFigureOut">
               <a:rPr lang="fr-FR" smtClean="0"/>
-              <a:t>04/06/15</a:t>
+              <a:t>05/06/15</a:t>
             </a:fld>
             <a:endParaRPr lang="fr-FR"/>
           </a:p>
@@ -2720,7 +2720,7 @@
           <a:p>
             <a:fld id="{F1229E41-CA26-2F4E-8441-D62FD830A7AB}" type="datetimeFigureOut">
               <a:rPr lang="fr-FR" smtClean="0"/>
-              <a:t>04/06/15</a:t>
+              <a:t>05/06/15</a:t>
             </a:fld>
             <a:endParaRPr lang="fr-FR"/>
           </a:p>
@@ -8974,7 +8974,7 @@
         </p:nvSpPr>
         <p:spPr>
           <a:xfrm>
-            <a:off x="7621101" y="3792919"/>
+            <a:off x="7605360" y="3690442"/>
             <a:ext cx="715922" cy="523220"/>
           </a:xfrm>
           <a:prstGeom prst="rect">
@@ -9017,8 +9017,8 @@
         </p:nvCxnSpPr>
         <p:spPr>
           <a:xfrm flipV="1">
-            <a:off x="7708326" y="3739556"/>
-            <a:ext cx="0" cy="695323"/>
+            <a:off x="7664154" y="3739557"/>
+            <a:ext cx="0" cy="354016"/>
           </a:xfrm>
           <a:prstGeom prst="straightConnector1">
             <a:avLst/>
